--- a/doc/PrésentationSoutenance.pptx
+++ b/doc/PrésentationSoutenance.pptx
@@ -11858,19 +11858,17 @@
       </p:grpSpPr>
       <p:pic>
         <p:nvPicPr>
-          <p:cNvPr id="4" name="Espace réservé du contenu 3">
+          <p:cNvPr id="1026" name="Picture 2">
             <a:extLst>
               <a:ext uri="{FF2B5EF4-FFF2-40B4-BE49-F238E27FC236}">
-                <a16:creationId xmlns:a16="http://schemas.microsoft.com/office/drawing/2014/main" id="{854FAD7B-162C-40C3-8D91-DA6E3AAEB22D}"/>
+                <a16:creationId xmlns:a16="http://schemas.microsoft.com/office/drawing/2014/main" id="{3D18AE9D-7CDB-44E0-8AED-620627DDF528}"/>
               </a:ext>
             </a:extLst>
           </p:cNvPr>
           <p:cNvPicPr>
-            <a:picLocks noGrp="1" noChangeAspect="1"/>
+            <a:picLocks noChangeAspect="1" noChangeArrowheads="1"/>
           </p:cNvPicPr>
-          <p:nvPr>
-            <p:ph idx="1"/>
-          </p:nvPr>
+          <p:nvPr/>
         </p:nvPicPr>
         <p:blipFill>
           <a:blip r:embed="rId2">
@@ -11880,15 +11878,29 @@
               </a:ext>
             </a:extLst>
           </a:blip>
+          <a:srcRect/>
           <a:stretch>
             <a:fillRect/>
           </a:stretch>
         </p:blipFill>
-        <p:spPr>
+        <p:spPr bwMode="auto">
           <a:xfrm>
-            <a:off x="2532844" y="0"/>
-            <a:ext cx="6691044" cy="6858000"/>
+            <a:off x="2500313" y="0"/>
+            <a:ext cx="7191375" cy="6858000"/>
           </a:xfrm>
+          <a:prstGeom prst="rect">
+            <a:avLst/>
+          </a:prstGeom>
+          <a:noFill/>
+          <a:extLst>
+            <a:ext uri="{909E8E84-426E-40DD-AFC4-6F175D3DCCD1}">
+              <a14:hiddenFill xmlns:a14="http://schemas.microsoft.com/office/drawing/2010/main">
+                <a:solidFill>
+                  <a:srgbClr val="FFFFFF"/>
+                </a:solidFill>
+              </a14:hiddenFill>
+            </a:ext>
+          </a:extLst>
         </p:spPr>
       </p:pic>
     </p:spTree>

--- a/doc/PrésentationSoutenance.pptx
+++ b/doc/PrésentationSoutenance.pptx
@@ -9919,7 +9919,15 @@
             </a:r>
             <a:r>
               <a:rPr lang="en-US" sz="1500" dirty="0"/>
-              <a:t> un personage, à </a:t>
+              <a:t> un </a:t>
+            </a:r>
+            <a:r>
+              <a:rPr lang="en-US" sz="1500" dirty="0" err="1"/>
+              <a:t>personnage</a:t>
+            </a:r>
+            <a:r>
+              <a:rPr lang="en-US" sz="1500" dirty="0"/>
+              <a:t>, à </a:t>
             </a:r>
             <a:r>
               <a:rPr lang="en-US" sz="1500" dirty="0" err="1"/>
@@ -9935,11 +9943,11 @@
             </a:r>
             <a:r>
               <a:rPr lang="en-US" sz="1500" dirty="0"/>
-              <a:t> bombes, </a:t>
+              <a:t> bombes et </a:t>
             </a:r>
             <a:r>
               <a:rPr lang="en-US" sz="1500" dirty="0" err="1"/>
-              <a:t>frayiez-vous</a:t>
+              <a:t>frayez-vous</a:t>
             </a:r>
             <a:r>
               <a:rPr lang="en-US" sz="1500" dirty="0"/>
@@ -9967,23 +9975,7 @@
             </a:r>
             <a:r>
               <a:rPr lang="en-US" sz="1500" dirty="0"/>
-              <a:t> et </a:t>
-            </a:r>
-            <a:r>
-              <a:rPr lang="en-US" sz="1500" dirty="0" err="1"/>
-              <a:t>éliminez</a:t>
-            </a:r>
-            <a:r>
-              <a:rPr lang="en-US" sz="1500" dirty="0"/>
-              <a:t> le </a:t>
-            </a:r>
-            <a:r>
-              <a:rPr lang="en-US" sz="1500" dirty="0" err="1"/>
-              <a:t>joueur</a:t>
-            </a:r>
-            <a:r>
-              <a:rPr lang="en-US" sz="1500" dirty="0"/>
-              <a:t> adverse !</a:t>
+              <a:t> !</a:t>
             </a:r>
           </a:p>
         </p:txBody>
@@ -11659,183 +11651,6 @@
   <p:clrMapOvr>
     <a:masterClrMapping/>
   </p:clrMapOvr>
-  <p:timing>
-    <p:tnLst>
-      <p:par>
-        <p:cTn id="1" dur="indefinite" restart="never" nodeType="tmRoot">
-          <p:childTnLst>
-            <p:seq concurrent="1" nextAc="seek">
-              <p:cTn id="2" dur="indefinite" nodeType="mainSeq">
-                <p:childTnLst>
-                  <p:par>
-                    <p:cTn id="3" fill="hold">
-                      <p:stCondLst>
-                        <p:cond delay="indefinite"/>
-                        <p:cond evt="onBegin" delay="0">
-                          <p:tn val="2"/>
-                        </p:cond>
-                      </p:stCondLst>
-                      <p:childTnLst>
-                        <p:par>
-                          <p:cTn id="4" fill="hold">
-                            <p:stCondLst>
-                              <p:cond delay="0"/>
-                            </p:stCondLst>
-                            <p:childTnLst>
-                              <p:par>
-                                <p:cTn id="5" presetID="10" presetClass="entr" presetSubtype="0" fill="hold" nodeType="withEffect">
-                                  <p:stCondLst>
-                                    <p:cond delay="0"/>
-                                  </p:stCondLst>
-                                  <p:iterate>
-                                    <p:tmPct val="10000"/>
-                                  </p:iterate>
-                                  <p:childTnLst>
-                                    <p:set>
-                                      <p:cBhvr>
-                                        <p:cTn id="6" dur="1" fill="hold">
-                                          <p:stCondLst>
-                                            <p:cond delay="0"/>
-                                          </p:stCondLst>
-                                        </p:cTn>
-                                        <p:tgtEl>
-                                          <p:spTgt spid="8"/>
-                                        </p:tgtEl>
-                                        <p:attrNameLst>
-                                          <p:attrName>style.visibility</p:attrName>
-                                        </p:attrNameLst>
-                                      </p:cBhvr>
-                                      <p:to>
-                                        <p:strVal val="visible"/>
-                                      </p:to>
-                                    </p:set>
-                                    <p:animEffect transition="in" filter="fade">
-                                      <p:cBhvr>
-                                        <p:cTn id="7" dur="700"/>
-                                        <p:tgtEl>
-                                          <p:spTgt spid="8"/>
-                                        </p:tgtEl>
-                                      </p:cBhvr>
-                                    </p:animEffect>
-                                  </p:childTnLst>
-                                </p:cTn>
-                              </p:par>
-                              <p:par>
-                                <p:cTn id="8" presetID="10" presetClass="entr" presetSubtype="0" fill="hold" grpId="0" nodeType="withEffect">
-                                  <p:stCondLst>
-                                    <p:cond delay="2000"/>
-                                  </p:stCondLst>
-                                  <p:iterate type="lt">
-                                    <p:tmPct val="10000"/>
-                                  </p:iterate>
-                                  <p:childTnLst>
-                                    <p:set>
-                                      <p:cBhvr>
-                                        <p:cTn id="9" dur="1" fill="hold">
-                                          <p:stCondLst>
-                                            <p:cond delay="0"/>
-                                          </p:stCondLst>
-                                        </p:cTn>
-                                        <p:tgtEl>
-                                          <p:spTgt spid="3">
-                                            <p:txEl>
-                                              <p:pRg st="0" end="0"/>
-                                            </p:txEl>
-                                          </p:spTgt>
-                                        </p:tgtEl>
-                                        <p:attrNameLst>
-                                          <p:attrName>style.visibility</p:attrName>
-                                        </p:attrNameLst>
-                                      </p:cBhvr>
-                                      <p:to>
-                                        <p:strVal val="visible"/>
-                                      </p:to>
-                                    </p:set>
-                                    <p:animEffect transition="in" filter="fade">
-                                      <p:cBhvr>
-                                        <p:cTn id="10" dur="400"/>
-                                        <p:tgtEl>
-                                          <p:spTgt spid="3">
-                                            <p:txEl>
-                                              <p:pRg st="0" end="0"/>
-                                            </p:txEl>
-                                          </p:spTgt>
-                                        </p:tgtEl>
-                                      </p:cBhvr>
-                                    </p:animEffect>
-                                  </p:childTnLst>
-                                </p:cTn>
-                              </p:par>
-                              <p:par>
-                                <p:cTn id="11" presetID="10" presetClass="entr" presetSubtype="0" fill="hold" grpId="0" nodeType="withEffect">
-                                  <p:stCondLst>
-                                    <p:cond delay="1000"/>
-                                  </p:stCondLst>
-                                  <p:iterate type="lt">
-                                    <p:tmPct val="10000"/>
-                                  </p:iterate>
-                                  <p:childTnLst>
-                                    <p:set>
-                                      <p:cBhvr>
-                                        <p:cTn id="12" dur="1" fill="hold">
-                                          <p:stCondLst>
-                                            <p:cond delay="0"/>
-                                          </p:stCondLst>
-                                        </p:cTn>
-                                        <p:tgtEl>
-                                          <p:spTgt spid="2"/>
-                                        </p:tgtEl>
-                                        <p:attrNameLst>
-                                          <p:attrName>style.visibility</p:attrName>
-                                        </p:attrNameLst>
-                                      </p:cBhvr>
-                                      <p:to>
-                                        <p:strVal val="visible"/>
-                                      </p:to>
-                                    </p:set>
-                                    <p:animEffect transition="in" filter="fade">
-                                      <p:cBhvr>
-                                        <p:cTn id="13" dur="400"/>
-                                        <p:tgtEl>
-                                          <p:spTgt spid="2"/>
-                                        </p:tgtEl>
-                                      </p:cBhvr>
-                                    </p:animEffect>
-                                  </p:childTnLst>
-                                </p:cTn>
-                              </p:par>
-                            </p:childTnLst>
-                          </p:cTn>
-                        </p:par>
-                      </p:childTnLst>
-                    </p:cTn>
-                  </p:par>
-                </p:childTnLst>
-              </p:cTn>
-              <p:prevCondLst>
-                <p:cond evt="onPrev" delay="0">
-                  <p:tgtEl>
-                    <p:sldTgt/>
-                  </p:tgtEl>
-                </p:cond>
-              </p:prevCondLst>
-              <p:nextCondLst>
-                <p:cond evt="onNext" delay="0">
-                  <p:tgtEl>
-                    <p:sldTgt/>
-                  </p:tgtEl>
-                </p:cond>
-              </p:nextCondLst>
-            </p:seq>
-          </p:childTnLst>
-        </p:cTn>
-      </p:par>
-    </p:tnLst>
-    <p:bldLst>
-      <p:bldP spid="2" grpId="0"/>
-      <p:bldP spid="3" grpId="0" build="p"/>
-    </p:bldLst>
-  </p:timing>
 </p:sld>
 </file>
 
@@ -12356,7 +12171,7 @@
         </p:blipFill>
         <p:spPr>
           <a:xfrm>
-            <a:off x="103429" y="3732051"/>
+            <a:off x="103429" y="3758177"/>
             <a:ext cx="7455131" cy="2360792"/>
           </a:xfrm>
           <a:prstGeom prst="rect">
@@ -31657,95 +31472,6 @@
   <p:clrMapOvr>
     <a:masterClrMapping/>
   </p:clrMapOvr>
-  <p:timing>
-    <p:tnLst>
-      <p:par>
-        <p:cTn id="1" dur="indefinite" restart="never" nodeType="tmRoot">
-          <p:childTnLst>
-            <p:seq concurrent="1" nextAc="seek">
-              <p:cTn id="2" dur="indefinite" nodeType="mainSeq">
-                <p:childTnLst>
-                  <p:par>
-                    <p:cTn id="3" fill="hold">
-                      <p:stCondLst>
-                        <p:cond delay="indefinite"/>
-                        <p:cond evt="onBegin" delay="0">
-                          <p:tn val="2"/>
-                        </p:cond>
-                      </p:stCondLst>
-                      <p:childTnLst>
-                        <p:par>
-                          <p:cTn id="4" fill="hold">
-                            <p:stCondLst>
-                              <p:cond delay="0"/>
-                            </p:stCondLst>
-                            <p:childTnLst>
-                              <p:par>
-                                <p:cTn id="5" presetID="10" presetClass="entr" presetSubtype="0" fill="hold" nodeType="withEffect">
-                                  <p:stCondLst>
-                                    <p:cond delay="0"/>
-                                  </p:stCondLst>
-                                  <p:iterate>
-                                    <p:tmPct val="10000"/>
-                                  </p:iterate>
-                                  <p:childTnLst>
-                                    <p:set>
-                                      <p:cBhvr>
-                                        <p:cTn id="6" dur="1" fill="hold">
-                                          <p:stCondLst>
-                                            <p:cond delay="0"/>
-                                          </p:stCondLst>
-                                        </p:cTn>
-                                        <p:tgtEl>
-                                          <p:spTgt spid="6"/>
-                                        </p:tgtEl>
-                                        <p:attrNameLst>
-                                          <p:attrName>style.visibility</p:attrName>
-                                        </p:attrNameLst>
-                                      </p:cBhvr>
-                                      <p:to>
-                                        <p:strVal val="visible"/>
-                                      </p:to>
-                                    </p:set>
-                                    <p:animEffect transition="in" filter="fade">
-                                      <p:cBhvr>
-                                        <p:cTn id="7" dur="700"/>
-                                        <p:tgtEl>
-                                          <p:spTgt spid="6"/>
-                                        </p:tgtEl>
-                                      </p:cBhvr>
-                                    </p:animEffect>
-                                  </p:childTnLst>
-                                </p:cTn>
-                              </p:par>
-                            </p:childTnLst>
-                          </p:cTn>
-                        </p:par>
-                      </p:childTnLst>
-                    </p:cTn>
-                  </p:par>
-                </p:childTnLst>
-              </p:cTn>
-              <p:prevCondLst>
-                <p:cond evt="onPrev" delay="0">
-                  <p:tgtEl>
-                    <p:sldTgt/>
-                  </p:tgtEl>
-                </p:cond>
-              </p:prevCondLst>
-              <p:nextCondLst>
-                <p:cond evt="onNext" delay="0">
-                  <p:tgtEl>
-                    <p:sldTgt/>
-                  </p:tgtEl>
-                </p:cond>
-              </p:nextCondLst>
-            </p:seq>
-          </p:childTnLst>
-        </p:cTn>
-      </p:par>
-    </p:tnLst>
-  </p:timing>
 </p:sld>
 </file>
 

--- a/doc/PrésentationSoutenance.pptx
+++ b/doc/PrésentationSoutenance.pptx
@@ -31261,7 +31261,7 @@
         </p:spPr>
         <p:txBody>
           <a:bodyPr>
-            <a:normAutofit fontScale="92500" lnSpcReduction="10000"/>
+            <a:normAutofit/>
           </a:bodyPr>
           <a:lstStyle/>
           <a:p>
@@ -31380,28 +31380,14 @@
               <a:t>seul</a:t>
             </a:r>
             <a:r>
-              <a:rPr lang="en-US" dirty="0"/>
+              <a:rPr lang="en-US"/>
               <a:t> </a:t>
             </a:r>
             <a:r>
-              <a:rPr lang="en-US" dirty="0">
+              <a:rPr lang="en-US">
                 <a:sym typeface="Wingdings" panose="05000000000000000000" pitchFamily="2" charset="2"/>
               </a:rPr>
               <a:t></a:t>
-            </a:r>
-            <a:endParaRPr lang="en-US" dirty="0"/>
-          </a:p>
-          <a:p>
-            <a:pPr marL="0" indent="0">
-              <a:buNone/>
-            </a:pPr>
-            <a:r>
-              <a:rPr lang="en-US" dirty="0"/>
-              <a:t>👉 Conditions de </a:t>
-            </a:r>
-            <a:r>
-              <a:rPr lang="en-US" dirty="0" err="1"/>
-              <a:t>victoire</a:t>
             </a:r>
             <a:endParaRPr lang="en-US" dirty="0"/>
           </a:p>
